--- a/PayBackScrum2Presentation.pptx
+++ b/PayBackScrum2Presentation.pptx
@@ -10,10 +10,10 @@
     <p:sldId id="258" r:id="rId4"/>
     <p:sldId id="259" r:id="rId5"/>
     <p:sldId id="260" r:id="rId6"/>
-    <p:sldId id="261" r:id="rId7"/>
-    <p:sldId id="265" r:id="rId8"/>
-    <p:sldId id="266" r:id="rId9"/>
-    <p:sldId id="262" r:id="rId10"/>
+    <p:sldId id="265" r:id="rId7"/>
+    <p:sldId id="266" r:id="rId8"/>
+    <p:sldId id="262" r:id="rId9"/>
+    <p:sldId id="261" r:id="rId10"/>
   </p:sldIdLst>
   <p:sldSz cx="9144000" cy="6858000" type="screen4x3"/>
   <p:notesSz cx="6858000" cy="9144000"/>
@@ -1841,6 +1841,757 @@
       <dsp:cNvGrpSpPr/>
     </dsp:nvGrpSpPr>
     <dsp:grpSpPr/>
+    <dsp:sp modelId="{4C29012D-E0DC-407C-924E-5B960F2AEE5F}">
+      <dsp:nvSpPr>
+        <dsp:cNvPr id="0" name=""/>
+        <dsp:cNvSpPr/>
+      </dsp:nvSpPr>
+      <dsp:spPr>
+        <a:xfrm>
+          <a:off x="1638" y="812488"/>
+          <a:ext cx="2332880" cy="933152"/>
+        </a:xfrm>
+        <a:prstGeom prst="chevron">
+          <a:avLst/>
+        </a:prstGeom>
+        <a:solidFill>
+          <a:schemeClr val="accent6">
+            <a:lumMod val="75000"/>
+          </a:schemeClr>
+        </a:solidFill>
+        <a:ln>
+          <a:noFill/>
+        </a:ln>
+        <a:effectLst/>
+        <a:scene3d>
+          <a:camera prst="orthographicFront"/>
+          <a:lightRig rig="chilly" dir="t"/>
+        </a:scene3d>
+        <a:sp3d prstMaterial="translucentPowder">
+          <a:bevelT w="127000" h="25400" prst="softRound"/>
+        </a:sp3d>
+      </dsp:spPr>
+      <dsp:style>
+        <a:lnRef idx="0">
+          <a:scrgbClr r="0" g="0" b="0"/>
+        </a:lnRef>
+        <a:fillRef idx="1">
+          <a:scrgbClr r="0" g="0" b="0"/>
+        </a:fillRef>
+        <a:effectRef idx="0">
+          <a:scrgbClr r="0" g="0" b="0"/>
+        </a:effectRef>
+        <a:fontRef idx="minor">
+          <a:schemeClr val="lt1"/>
+        </a:fontRef>
+      </dsp:style>
+      <dsp:txBody>
+        <a:bodyPr spcFirstLastPara="0" vert="horz" wrap="square" lIns="72009" tIns="24003" rIns="24003" bIns="24003" numCol="1" spcCol="1270" anchor="ctr" anchorCtr="0">
+          <a:noAutofit/>
+        </a:bodyPr>
+        <a:lstStyle/>
+        <a:p>
+          <a:pPr lvl="0" algn="ctr" defTabSz="800100">
+            <a:lnSpc>
+              <a:spcPct val="90000"/>
+            </a:lnSpc>
+            <a:spcBef>
+              <a:spcPct val="0"/>
+            </a:spcBef>
+            <a:spcAft>
+              <a:spcPct val="35000"/>
+            </a:spcAft>
+          </a:pPr>
+          <a:r>
+            <a:rPr lang="en-US" sz="1800" kern="1200" dirty="0" smtClean="0"/>
+            <a:t>Sprint 1</a:t>
+          </a:r>
+          <a:endParaRPr lang="en-US" sz="1800" kern="1200" dirty="0"/>
+        </a:p>
+      </dsp:txBody>
+      <dsp:txXfrm>
+        <a:off x="468214" y="812488"/>
+        <a:ext cx="1399728" cy="933152"/>
+      </dsp:txXfrm>
+    </dsp:sp>
+    <dsp:sp modelId="{E5203CF3-3959-4341-B5EB-13800D2D2A78}">
+      <dsp:nvSpPr>
+        <dsp:cNvPr id="0" name=""/>
+        <dsp:cNvSpPr/>
+      </dsp:nvSpPr>
+      <dsp:spPr>
+        <a:xfrm>
+          <a:off x="1638" y="1862285"/>
+          <a:ext cx="1866304" cy="1973425"/>
+        </a:xfrm>
+        <a:prstGeom prst="rect">
+          <a:avLst/>
+        </a:prstGeom>
+        <a:noFill/>
+        <a:ln>
+          <a:noFill/>
+        </a:ln>
+        <a:effectLst/>
+      </dsp:spPr>
+      <dsp:style>
+        <a:lnRef idx="0">
+          <a:scrgbClr r="0" g="0" b="0"/>
+        </a:lnRef>
+        <a:fillRef idx="0">
+          <a:scrgbClr r="0" g="0" b="0"/>
+        </a:fillRef>
+        <a:effectRef idx="0">
+          <a:scrgbClr r="0" g="0" b="0"/>
+        </a:effectRef>
+        <a:fontRef idx="minor"/>
+      </dsp:style>
+      <dsp:txBody>
+        <a:bodyPr spcFirstLastPara="0" vert="horz" wrap="square" lIns="0" tIns="0" rIns="0" bIns="0" numCol="1" spcCol="1270" anchor="t" anchorCtr="0">
+          <a:noAutofit/>
+        </a:bodyPr>
+        <a:lstStyle/>
+        <a:p>
+          <a:pPr marL="171450" lvl="1" indent="-171450" algn="l" defTabSz="800100">
+            <a:lnSpc>
+              <a:spcPct val="90000"/>
+            </a:lnSpc>
+            <a:spcBef>
+              <a:spcPct val="0"/>
+            </a:spcBef>
+            <a:spcAft>
+              <a:spcPct val="15000"/>
+            </a:spcAft>
+            <a:buChar char="••"/>
+          </a:pPr>
+          <a:r>
+            <a:rPr lang="en-US" sz="1800" kern="1200" dirty="0" smtClean="0"/>
+            <a:t>Basic UI</a:t>
+          </a:r>
+          <a:endParaRPr lang="en-US" sz="1800" kern="1200" dirty="0"/>
+        </a:p>
+        <a:p>
+          <a:pPr marL="171450" lvl="1" indent="-171450" algn="l" defTabSz="800100">
+            <a:lnSpc>
+              <a:spcPct val="90000"/>
+            </a:lnSpc>
+            <a:spcBef>
+              <a:spcPct val="0"/>
+            </a:spcBef>
+            <a:spcAft>
+              <a:spcPct val="15000"/>
+            </a:spcAft>
+            <a:buChar char="••"/>
+          </a:pPr>
+          <a:r>
+            <a:rPr lang="en-US" sz="1800" kern="1200" dirty="0" smtClean="0"/>
+            <a:t>Basic Android</a:t>
+          </a:r>
+          <a:endParaRPr lang="en-US" sz="1800" kern="1200" dirty="0"/>
+        </a:p>
+        <a:p>
+          <a:pPr marL="171450" lvl="1" indent="-171450" algn="l" defTabSz="800100">
+            <a:lnSpc>
+              <a:spcPct val="90000"/>
+            </a:lnSpc>
+            <a:spcBef>
+              <a:spcPct val="0"/>
+            </a:spcBef>
+            <a:spcAft>
+              <a:spcPct val="15000"/>
+            </a:spcAft>
+            <a:buChar char="••"/>
+          </a:pPr>
+          <a:r>
+            <a:rPr lang="en-US" sz="1800" kern="1200" dirty="0" smtClean="0"/>
+            <a:t>Backend Database</a:t>
+          </a:r>
+          <a:endParaRPr lang="en-US" sz="1800" kern="1200" dirty="0"/>
+        </a:p>
+      </dsp:txBody>
+      <dsp:txXfrm>
+        <a:off x="1638" y="1862285"/>
+        <a:ext cx="1866304" cy="1973425"/>
+      </dsp:txXfrm>
+    </dsp:sp>
+    <dsp:sp modelId="{F7C52355-5558-4280-ABA8-0B2AB60DA73E}">
+      <dsp:nvSpPr>
+        <dsp:cNvPr id="0" name=""/>
+        <dsp:cNvSpPr/>
+      </dsp:nvSpPr>
+      <dsp:spPr>
+        <a:xfrm>
+          <a:off x="2118519" y="812488"/>
+          <a:ext cx="2332880" cy="933152"/>
+        </a:xfrm>
+        <a:prstGeom prst="chevron">
+          <a:avLst/>
+        </a:prstGeom>
+        <a:solidFill>
+          <a:schemeClr val="accent6">
+            <a:lumMod val="75000"/>
+          </a:schemeClr>
+        </a:solidFill>
+        <a:ln>
+          <a:noFill/>
+        </a:ln>
+        <a:effectLst/>
+        <a:scene3d>
+          <a:camera prst="orthographicFront"/>
+          <a:lightRig rig="chilly" dir="t"/>
+        </a:scene3d>
+        <a:sp3d prstMaterial="translucentPowder">
+          <a:bevelT w="127000" h="25400" prst="softRound"/>
+        </a:sp3d>
+      </dsp:spPr>
+      <dsp:style>
+        <a:lnRef idx="0">
+          <a:scrgbClr r="0" g="0" b="0"/>
+        </a:lnRef>
+        <a:fillRef idx="1">
+          <a:scrgbClr r="0" g="0" b="0"/>
+        </a:fillRef>
+        <a:effectRef idx="0">
+          <a:scrgbClr r="0" g="0" b="0"/>
+        </a:effectRef>
+        <a:fontRef idx="minor">
+          <a:schemeClr val="lt1"/>
+        </a:fontRef>
+      </dsp:style>
+      <dsp:txBody>
+        <a:bodyPr spcFirstLastPara="0" vert="horz" wrap="square" lIns="72009" tIns="24003" rIns="24003" bIns="24003" numCol="1" spcCol="1270" anchor="ctr" anchorCtr="0">
+          <a:noAutofit/>
+        </a:bodyPr>
+        <a:lstStyle/>
+        <a:p>
+          <a:pPr lvl="0" algn="ctr" defTabSz="800100">
+            <a:lnSpc>
+              <a:spcPct val="90000"/>
+            </a:lnSpc>
+            <a:spcBef>
+              <a:spcPct val="0"/>
+            </a:spcBef>
+            <a:spcAft>
+              <a:spcPct val="35000"/>
+            </a:spcAft>
+          </a:pPr>
+          <a:r>
+            <a:rPr lang="en-US" sz="1800" kern="1200" dirty="0" smtClean="0"/>
+            <a:t>Sprint 2</a:t>
+          </a:r>
+          <a:endParaRPr lang="en-US" sz="1800" kern="1200" dirty="0"/>
+        </a:p>
+      </dsp:txBody>
+      <dsp:txXfrm>
+        <a:off x="2585095" y="812488"/>
+        <a:ext cx="1399728" cy="933152"/>
+      </dsp:txXfrm>
+    </dsp:sp>
+    <dsp:sp modelId="{DF7BBB6D-9490-4DC2-9CC1-C6E3731769BB}">
+      <dsp:nvSpPr>
+        <dsp:cNvPr id="0" name=""/>
+        <dsp:cNvSpPr/>
+      </dsp:nvSpPr>
+      <dsp:spPr>
+        <a:xfrm>
+          <a:off x="2118519" y="1862285"/>
+          <a:ext cx="1866304" cy="1973425"/>
+        </a:xfrm>
+        <a:prstGeom prst="rect">
+          <a:avLst/>
+        </a:prstGeom>
+        <a:noFill/>
+        <a:ln>
+          <a:noFill/>
+        </a:ln>
+        <a:effectLst/>
+      </dsp:spPr>
+      <dsp:style>
+        <a:lnRef idx="0">
+          <a:scrgbClr r="0" g="0" b="0"/>
+        </a:lnRef>
+        <a:fillRef idx="0">
+          <a:scrgbClr r="0" g="0" b="0"/>
+        </a:fillRef>
+        <a:effectRef idx="0">
+          <a:scrgbClr r="0" g="0" b="0"/>
+        </a:effectRef>
+        <a:fontRef idx="minor"/>
+      </dsp:style>
+      <dsp:txBody>
+        <a:bodyPr spcFirstLastPara="0" vert="horz" wrap="square" lIns="0" tIns="0" rIns="0" bIns="0" numCol="1" spcCol="1270" anchor="t" anchorCtr="0">
+          <a:noAutofit/>
+        </a:bodyPr>
+        <a:lstStyle/>
+        <a:p>
+          <a:pPr marL="171450" lvl="1" indent="-171450" algn="l" defTabSz="800100">
+            <a:lnSpc>
+              <a:spcPct val="90000"/>
+            </a:lnSpc>
+            <a:spcBef>
+              <a:spcPct val="0"/>
+            </a:spcBef>
+            <a:spcAft>
+              <a:spcPct val="15000"/>
+            </a:spcAft>
+            <a:buChar char="••"/>
+          </a:pPr>
+          <a:r>
+            <a:rPr lang="en-US" sz="1800" kern="1200" dirty="0" smtClean="0"/>
+            <a:t>Full UI</a:t>
+          </a:r>
+          <a:endParaRPr lang="en-US" sz="1800" kern="1200" dirty="0"/>
+        </a:p>
+        <a:p>
+          <a:pPr marL="171450" lvl="1" indent="-171450" algn="l" defTabSz="800100">
+            <a:lnSpc>
+              <a:spcPct val="90000"/>
+            </a:lnSpc>
+            <a:spcBef>
+              <a:spcPct val="0"/>
+            </a:spcBef>
+            <a:spcAft>
+              <a:spcPct val="15000"/>
+            </a:spcAft>
+            <a:buChar char="••"/>
+          </a:pPr>
+          <a:r>
+            <a:rPr lang="en-US" sz="1800" kern="1200" dirty="0" smtClean="0"/>
+            <a:t>Class/object implementation</a:t>
+          </a:r>
+          <a:endParaRPr lang="en-US" sz="1800" kern="1200" dirty="0"/>
+        </a:p>
+        <a:p>
+          <a:pPr marL="171450" lvl="1" indent="-171450" algn="l" defTabSz="800100">
+            <a:lnSpc>
+              <a:spcPct val="90000"/>
+            </a:lnSpc>
+            <a:spcBef>
+              <a:spcPct val="0"/>
+            </a:spcBef>
+            <a:spcAft>
+              <a:spcPct val="15000"/>
+            </a:spcAft>
+            <a:buChar char="••"/>
+          </a:pPr>
+          <a:r>
+            <a:rPr lang="en-US" sz="1800" kern="1200" dirty="0" smtClean="0"/>
+            <a:t>Database querying</a:t>
+          </a:r>
+          <a:endParaRPr lang="en-US" sz="1800" kern="1200" dirty="0"/>
+        </a:p>
+        <a:p>
+          <a:pPr marL="171450" lvl="1" indent="-171450" algn="l" defTabSz="800100">
+            <a:lnSpc>
+              <a:spcPct val="90000"/>
+            </a:lnSpc>
+            <a:spcBef>
+              <a:spcPct val="0"/>
+            </a:spcBef>
+            <a:spcAft>
+              <a:spcPct val="15000"/>
+            </a:spcAft>
+            <a:buChar char="••"/>
+          </a:pPr>
+          <a:r>
+            <a:rPr lang="en-US" sz="1800" kern="1200" dirty="0" smtClean="0"/>
+            <a:t>Encryption (forwarded)</a:t>
+          </a:r>
+          <a:endParaRPr lang="en-US" sz="1800" kern="1200" dirty="0"/>
+        </a:p>
+      </dsp:txBody>
+      <dsp:txXfrm>
+        <a:off x="2118519" y="1862285"/>
+        <a:ext cx="1866304" cy="1973425"/>
+      </dsp:txXfrm>
+    </dsp:sp>
+    <dsp:sp modelId="{ECD9D713-1FF3-4438-B445-0E2A764B5771}">
+      <dsp:nvSpPr>
+        <dsp:cNvPr id="0" name=""/>
+        <dsp:cNvSpPr/>
+      </dsp:nvSpPr>
+      <dsp:spPr>
+        <a:xfrm>
+          <a:off x="4235400" y="812488"/>
+          <a:ext cx="2332880" cy="933152"/>
+        </a:xfrm>
+        <a:prstGeom prst="chevron">
+          <a:avLst/>
+        </a:prstGeom>
+        <a:solidFill>
+          <a:schemeClr val="accent1">
+            <a:hueOff val="0"/>
+            <a:satOff val="0"/>
+            <a:lumOff val="0"/>
+            <a:alphaOff val="0"/>
+          </a:schemeClr>
+        </a:solidFill>
+        <a:ln>
+          <a:noFill/>
+        </a:ln>
+        <a:effectLst/>
+        <a:scene3d>
+          <a:camera prst="orthographicFront"/>
+          <a:lightRig rig="chilly" dir="t"/>
+        </a:scene3d>
+        <a:sp3d prstMaterial="translucentPowder">
+          <a:bevelT w="127000" h="25400" prst="softRound"/>
+        </a:sp3d>
+      </dsp:spPr>
+      <dsp:style>
+        <a:lnRef idx="0">
+          <a:scrgbClr r="0" g="0" b="0"/>
+        </a:lnRef>
+        <a:fillRef idx="1">
+          <a:scrgbClr r="0" g="0" b="0"/>
+        </a:fillRef>
+        <a:effectRef idx="0">
+          <a:scrgbClr r="0" g="0" b="0"/>
+        </a:effectRef>
+        <a:fontRef idx="minor">
+          <a:schemeClr val="lt1"/>
+        </a:fontRef>
+      </dsp:style>
+      <dsp:txBody>
+        <a:bodyPr spcFirstLastPara="0" vert="horz" wrap="square" lIns="72009" tIns="24003" rIns="24003" bIns="24003" numCol="1" spcCol="1270" anchor="ctr" anchorCtr="0">
+          <a:noAutofit/>
+        </a:bodyPr>
+        <a:lstStyle/>
+        <a:p>
+          <a:pPr lvl="0" algn="ctr" defTabSz="800100">
+            <a:lnSpc>
+              <a:spcPct val="90000"/>
+            </a:lnSpc>
+            <a:spcBef>
+              <a:spcPct val="0"/>
+            </a:spcBef>
+            <a:spcAft>
+              <a:spcPct val="35000"/>
+            </a:spcAft>
+          </a:pPr>
+          <a:r>
+            <a:rPr lang="en-US" sz="1800" kern="1200" dirty="0" smtClean="0"/>
+            <a:t>Sprint 3</a:t>
+          </a:r>
+          <a:endParaRPr lang="en-US" sz="1800" kern="1200" dirty="0"/>
+        </a:p>
+      </dsp:txBody>
+      <dsp:txXfrm>
+        <a:off x="4701976" y="812488"/>
+        <a:ext cx="1399728" cy="933152"/>
+      </dsp:txXfrm>
+    </dsp:sp>
+    <dsp:sp modelId="{181C089F-2917-4B2F-A44B-0EB78E63CD2F}">
+      <dsp:nvSpPr>
+        <dsp:cNvPr id="0" name=""/>
+        <dsp:cNvSpPr/>
+      </dsp:nvSpPr>
+      <dsp:spPr>
+        <a:xfrm>
+          <a:off x="4235400" y="1862285"/>
+          <a:ext cx="1866304" cy="1973425"/>
+        </a:xfrm>
+        <a:prstGeom prst="rect">
+          <a:avLst/>
+        </a:prstGeom>
+        <a:noFill/>
+        <a:ln>
+          <a:noFill/>
+        </a:ln>
+        <a:effectLst/>
+      </dsp:spPr>
+      <dsp:style>
+        <a:lnRef idx="0">
+          <a:scrgbClr r="0" g="0" b="0"/>
+        </a:lnRef>
+        <a:fillRef idx="0">
+          <a:scrgbClr r="0" g="0" b="0"/>
+        </a:fillRef>
+        <a:effectRef idx="0">
+          <a:scrgbClr r="0" g="0" b="0"/>
+        </a:effectRef>
+        <a:fontRef idx="minor"/>
+      </dsp:style>
+      <dsp:txBody>
+        <a:bodyPr spcFirstLastPara="0" vert="horz" wrap="square" lIns="0" tIns="0" rIns="0" bIns="0" numCol="1" spcCol="1270" anchor="t" anchorCtr="0">
+          <a:noAutofit/>
+        </a:bodyPr>
+        <a:lstStyle/>
+        <a:p>
+          <a:pPr marL="171450" lvl="1" indent="-171450" algn="l" defTabSz="800100">
+            <a:lnSpc>
+              <a:spcPct val="90000"/>
+            </a:lnSpc>
+            <a:spcBef>
+              <a:spcPct val="0"/>
+            </a:spcBef>
+            <a:spcAft>
+              <a:spcPct val="15000"/>
+            </a:spcAft>
+            <a:buChar char="••"/>
+          </a:pPr>
+          <a:r>
+            <a:rPr lang="en-US" sz="1800" kern="1200" dirty="0" smtClean="0"/>
+            <a:t>Optimization</a:t>
+          </a:r>
+          <a:endParaRPr lang="en-US" sz="1800" kern="1200" dirty="0"/>
+        </a:p>
+        <a:p>
+          <a:pPr marL="171450" lvl="1" indent="-171450" algn="l" defTabSz="800100">
+            <a:lnSpc>
+              <a:spcPct val="90000"/>
+            </a:lnSpc>
+            <a:spcBef>
+              <a:spcPct val="0"/>
+            </a:spcBef>
+            <a:spcAft>
+              <a:spcPct val="15000"/>
+            </a:spcAft>
+            <a:buChar char="••"/>
+          </a:pPr>
+          <a:r>
+            <a:rPr lang="en-US" sz="1800" kern="1200" dirty="0" smtClean="0"/>
+            <a:t>Aesthetics</a:t>
+          </a:r>
+          <a:endParaRPr lang="en-US" sz="1800" kern="1200" dirty="0"/>
+        </a:p>
+        <a:p>
+          <a:pPr marL="171450" lvl="1" indent="-171450" algn="l" defTabSz="800100">
+            <a:lnSpc>
+              <a:spcPct val="90000"/>
+            </a:lnSpc>
+            <a:spcBef>
+              <a:spcPct val="0"/>
+            </a:spcBef>
+            <a:spcAft>
+              <a:spcPct val="15000"/>
+            </a:spcAft>
+            <a:buChar char="••"/>
+          </a:pPr>
+          <a:r>
+            <a:rPr lang="en-US" sz="1800" kern="1200" dirty="0" smtClean="0"/>
+            <a:t>Additional Features</a:t>
+          </a:r>
+          <a:endParaRPr lang="en-US" sz="1800" kern="1200" dirty="0"/>
+        </a:p>
+        <a:p>
+          <a:pPr marL="171450" lvl="1" indent="-171450" algn="l" defTabSz="800100">
+            <a:lnSpc>
+              <a:spcPct val="90000"/>
+            </a:lnSpc>
+            <a:spcBef>
+              <a:spcPct val="0"/>
+            </a:spcBef>
+            <a:spcAft>
+              <a:spcPct val="15000"/>
+            </a:spcAft>
+            <a:buChar char="••"/>
+          </a:pPr>
+          <a:r>
+            <a:rPr lang="en-US" sz="1800" kern="1200" dirty="0" smtClean="0"/>
+            <a:t>Application sub-functions</a:t>
+          </a:r>
+          <a:endParaRPr lang="en-US" sz="1800" kern="1200" dirty="0"/>
+        </a:p>
+        <a:p>
+          <a:pPr marL="171450" lvl="1" indent="-171450" algn="l" defTabSz="800100">
+            <a:lnSpc>
+              <a:spcPct val="90000"/>
+            </a:lnSpc>
+            <a:spcBef>
+              <a:spcPct val="0"/>
+            </a:spcBef>
+            <a:spcAft>
+              <a:spcPct val="15000"/>
+            </a:spcAft>
+            <a:buChar char="••"/>
+          </a:pPr>
+          <a:r>
+            <a:rPr lang="en-US" sz="1800" kern="1200" dirty="0" smtClean="0"/>
+            <a:t>Encryption</a:t>
+          </a:r>
+          <a:endParaRPr lang="en-US" sz="1800" kern="1200" dirty="0"/>
+        </a:p>
+      </dsp:txBody>
+      <dsp:txXfrm>
+        <a:off x="4235400" y="1862285"/>
+        <a:ext cx="1866304" cy="1973425"/>
+      </dsp:txXfrm>
+    </dsp:sp>
+    <dsp:sp modelId="{BBA7A9FC-A990-4713-AC32-5A9D93E9B9BE}">
+      <dsp:nvSpPr>
+        <dsp:cNvPr id="0" name=""/>
+        <dsp:cNvSpPr/>
+      </dsp:nvSpPr>
+      <dsp:spPr>
+        <a:xfrm>
+          <a:off x="6352280" y="812488"/>
+          <a:ext cx="2332880" cy="933152"/>
+        </a:xfrm>
+        <a:prstGeom prst="chevron">
+          <a:avLst/>
+        </a:prstGeom>
+        <a:solidFill>
+          <a:schemeClr val="accent1">
+            <a:hueOff val="0"/>
+            <a:satOff val="0"/>
+            <a:lumOff val="0"/>
+            <a:alphaOff val="0"/>
+          </a:schemeClr>
+        </a:solidFill>
+        <a:ln>
+          <a:noFill/>
+        </a:ln>
+        <a:effectLst/>
+        <a:scene3d>
+          <a:camera prst="orthographicFront"/>
+          <a:lightRig rig="chilly" dir="t"/>
+        </a:scene3d>
+        <a:sp3d prstMaterial="translucentPowder">
+          <a:bevelT w="127000" h="25400" prst="softRound"/>
+        </a:sp3d>
+      </dsp:spPr>
+      <dsp:style>
+        <a:lnRef idx="0">
+          <a:scrgbClr r="0" g="0" b="0"/>
+        </a:lnRef>
+        <a:fillRef idx="1">
+          <a:scrgbClr r="0" g="0" b="0"/>
+        </a:fillRef>
+        <a:effectRef idx="0">
+          <a:scrgbClr r="0" g="0" b="0"/>
+        </a:effectRef>
+        <a:fontRef idx="minor">
+          <a:schemeClr val="lt1"/>
+        </a:fontRef>
+      </dsp:style>
+      <dsp:txBody>
+        <a:bodyPr spcFirstLastPara="0" vert="horz" wrap="square" lIns="72009" tIns="24003" rIns="24003" bIns="24003" numCol="1" spcCol="1270" anchor="ctr" anchorCtr="0">
+          <a:noAutofit/>
+        </a:bodyPr>
+        <a:lstStyle/>
+        <a:p>
+          <a:pPr lvl="0" algn="ctr" defTabSz="800100">
+            <a:lnSpc>
+              <a:spcPct val="90000"/>
+            </a:lnSpc>
+            <a:spcBef>
+              <a:spcPct val="0"/>
+            </a:spcBef>
+            <a:spcAft>
+              <a:spcPct val="35000"/>
+            </a:spcAft>
+          </a:pPr>
+          <a:r>
+            <a:rPr lang="en-US" sz="1800" kern="1200" dirty="0" smtClean="0"/>
+            <a:t>Final Product</a:t>
+          </a:r>
+          <a:endParaRPr lang="en-US" sz="1800" kern="1200" dirty="0"/>
+        </a:p>
+      </dsp:txBody>
+      <dsp:txXfrm>
+        <a:off x="6818856" y="812488"/>
+        <a:ext cx="1399728" cy="933152"/>
+      </dsp:txXfrm>
+    </dsp:sp>
+    <dsp:sp modelId="{C3C4640D-AF57-42CE-B3A9-A38159BB07CB}">
+      <dsp:nvSpPr>
+        <dsp:cNvPr id="0" name=""/>
+        <dsp:cNvSpPr/>
+      </dsp:nvSpPr>
+      <dsp:spPr>
+        <a:xfrm>
+          <a:off x="6352280" y="1862285"/>
+          <a:ext cx="1866304" cy="1973425"/>
+        </a:xfrm>
+        <a:prstGeom prst="rect">
+          <a:avLst/>
+        </a:prstGeom>
+        <a:noFill/>
+        <a:ln>
+          <a:noFill/>
+        </a:ln>
+        <a:effectLst/>
+      </dsp:spPr>
+      <dsp:style>
+        <a:lnRef idx="0">
+          <a:scrgbClr r="0" g="0" b="0"/>
+        </a:lnRef>
+        <a:fillRef idx="0">
+          <a:scrgbClr r="0" g="0" b="0"/>
+        </a:fillRef>
+        <a:effectRef idx="0">
+          <a:scrgbClr r="0" g="0" b="0"/>
+        </a:effectRef>
+        <a:fontRef idx="minor"/>
+      </dsp:style>
+      <dsp:txBody>
+        <a:bodyPr spcFirstLastPara="0" vert="horz" wrap="square" lIns="0" tIns="0" rIns="0" bIns="0" numCol="1" spcCol="1270" anchor="t" anchorCtr="0">
+          <a:noAutofit/>
+        </a:bodyPr>
+        <a:lstStyle/>
+        <a:p>
+          <a:pPr marL="171450" lvl="1" indent="-171450" algn="l" defTabSz="800100">
+            <a:lnSpc>
+              <a:spcPct val="90000"/>
+            </a:lnSpc>
+            <a:spcBef>
+              <a:spcPct val="0"/>
+            </a:spcBef>
+            <a:spcAft>
+              <a:spcPct val="15000"/>
+            </a:spcAft>
+            <a:buChar char="••"/>
+          </a:pPr>
+          <a:r>
+            <a:rPr lang="en-US" sz="1800" kern="1200" dirty="0" smtClean="0"/>
+            <a:t>Full Application</a:t>
+          </a:r>
+          <a:endParaRPr lang="en-US" sz="1800" kern="1200" dirty="0"/>
+        </a:p>
+        <a:p>
+          <a:pPr marL="171450" lvl="1" indent="-171450" algn="l" defTabSz="800100">
+            <a:lnSpc>
+              <a:spcPct val="90000"/>
+            </a:lnSpc>
+            <a:spcBef>
+              <a:spcPct val="0"/>
+            </a:spcBef>
+            <a:spcAft>
+              <a:spcPct val="15000"/>
+            </a:spcAft>
+            <a:buChar char="••"/>
+          </a:pPr>
+          <a:r>
+            <a:rPr lang="en-US" sz="1800" kern="1200" dirty="0" smtClean="0"/>
+            <a:t>Implementation of all features</a:t>
+          </a:r>
+          <a:endParaRPr lang="en-US" sz="1800" kern="1200" dirty="0"/>
+        </a:p>
+        <a:p>
+          <a:pPr marL="171450" lvl="1" indent="-171450" algn="l" defTabSz="800100">
+            <a:lnSpc>
+              <a:spcPct val="90000"/>
+            </a:lnSpc>
+            <a:spcBef>
+              <a:spcPct val="0"/>
+            </a:spcBef>
+            <a:spcAft>
+              <a:spcPct val="15000"/>
+            </a:spcAft>
+            <a:buChar char="••"/>
+          </a:pPr>
+          <a:r>
+            <a:rPr lang="en-US" sz="1800" kern="1200" dirty="0" smtClean="0"/>
+            <a:t>Final testing </a:t>
+          </a:r>
+          <a:endParaRPr lang="en-US" sz="1800" kern="1200" dirty="0"/>
+        </a:p>
+      </dsp:txBody>
+      <dsp:txXfrm>
+        <a:off x="6352280" y="1862285"/>
+        <a:ext cx="1866304" cy="1973425"/>
+      </dsp:txXfrm>
+    </dsp:sp>
   </dsp:spTree>
 </dsp:drawing>
 </file>
@@ -3413,7 +4164,7 @@
             <a:fld id="{9A5A4522-67DB-4EB6-AB70-B49398352361}" type="datetimeFigureOut">
               <a:rPr lang="en-US" smtClean="0"/>
               <a:pPr/>
-              <a:t>10/27/2013</a:t>
+              <a:t>10/28/2013</a:t>
             </a:fld>
             <a:endParaRPr lang="en-US"/>
           </a:p>
@@ -3580,7 +4331,7 @@
             <a:fld id="{9A5A4522-67DB-4EB6-AB70-B49398352361}" type="datetimeFigureOut">
               <a:rPr lang="en-US" smtClean="0"/>
               <a:pPr/>
-              <a:t>10/27/2013</a:t>
+              <a:t>10/28/2013</a:t>
             </a:fld>
             <a:endParaRPr lang="en-US"/>
           </a:p>
@@ -3757,7 +4508,7 @@
             <a:fld id="{9A5A4522-67DB-4EB6-AB70-B49398352361}" type="datetimeFigureOut">
               <a:rPr lang="en-US" smtClean="0"/>
               <a:pPr/>
-              <a:t>10/27/2013</a:t>
+              <a:t>10/28/2013</a:t>
             </a:fld>
             <a:endParaRPr lang="en-US"/>
           </a:p>
@@ -3924,7 +4675,7 @@
             <a:fld id="{9A5A4522-67DB-4EB6-AB70-B49398352361}" type="datetimeFigureOut">
               <a:rPr lang="en-US" smtClean="0"/>
               <a:pPr/>
-              <a:t>10/27/2013</a:t>
+              <a:t>10/28/2013</a:t>
             </a:fld>
             <a:endParaRPr lang="en-US"/>
           </a:p>
@@ -4168,7 +4919,7 @@
             <a:fld id="{9A5A4522-67DB-4EB6-AB70-B49398352361}" type="datetimeFigureOut">
               <a:rPr lang="en-US" smtClean="0"/>
               <a:pPr/>
-              <a:t>10/27/2013</a:t>
+              <a:t>10/28/2013</a:t>
             </a:fld>
             <a:endParaRPr lang="en-US"/>
           </a:p>
@@ -4434,7 +5185,7 @@
             <a:fld id="{9A5A4522-67DB-4EB6-AB70-B49398352361}" type="datetimeFigureOut">
               <a:rPr lang="en-US" smtClean="0"/>
               <a:pPr/>
-              <a:t>10/27/2013</a:t>
+              <a:t>10/28/2013</a:t>
             </a:fld>
             <a:endParaRPr lang="en-US"/>
           </a:p>
@@ -4814,7 +5565,7 @@
             <a:fld id="{9A5A4522-67DB-4EB6-AB70-B49398352361}" type="datetimeFigureOut">
               <a:rPr lang="en-US" smtClean="0"/>
               <a:pPr/>
-              <a:t>10/27/2013</a:t>
+              <a:t>10/28/2013</a:t>
             </a:fld>
             <a:endParaRPr lang="en-US"/>
           </a:p>
@@ -4966,7 +5717,7 @@
             <a:fld id="{9A5A4522-67DB-4EB6-AB70-B49398352361}" type="datetimeFigureOut">
               <a:rPr lang="en-US" smtClean="0"/>
               <a:pPr/>
-              <a:t>10/27/2013</a:t>
+              <a:t>10/28/2013</a:t>
             </a:fld>
             <a:endParaRPr lang="en-US"/>
           </a:p>
@@ -5058,7 +5809,7 @@
             <a:fld id="{9A5A4522-67DB-4EB6-AB70-B49398352361}" type="datetimeFigureOut">
               <a:rPr lang="en-US" smtClean="0"/>
               <a:pPr/>
-              <a:t>10/27/2013</a:t>
+              <a:t>10/28/2013</a:t>
             </a:fld>
             <a:endParaRPr lang="en-US"/>
           </a:p>
@@ -5321,7 +6072,7 @@
             <a:fld id="{9A5A4522-67DB-4EB6-AB70-B49398352361}" type="datetimeFigureOut">
               <a:rPr lang="en-US" smtClean="0"/>
               <a:pPr/>
-              <a:t>10/27/2013</a:t>
+              <a:t>10/28/2013</a:t>
             </a:fld>
             <a:endParaRPr lang="en-US"/>
           </a:p>
@@ -5611,7 +6362,7 @@
             <a:fld id="{9A5A4522-67DB-4EB6-AB70-B49398352361}" type="datetimeFigureOut">
               <a:rPr lang="en-US" smtClean="0"/>
               <a:pPr/>
-              <a:t>10/27/2013</a:t>
+              <a:t>10/28/2013</a:t>
             </a:fld>
             <a:endParaRPr lang="en-US"/>
           </a:p>
@@ -6384,7 +7135,7 @@
             <a:fld id="{9A5A4522-67DB-4EB6-AB70-B49398352361}" type="datetimeFigureOut">
               <a:rPr lang="en-US" smtClean="0"/>
               <a:pPr/>
-              <a:t>10/27/2013</a:t>
+              <a:t>10/28/2013</a:t>
             </a:fld>
             <a:endParaRPr lang="en-US"/>
           </a:p>
@@ -8066,212 +8817,6 @@
       </p:grpSpPr>
       <p:sp>
         <p:nvSpPr>
-          <p:cNvPr id="2" name="Title 1"/>
-          <p:cNvSpPr>
-            <a:spLocks noGrp="1"/>
-          </p:cNvSpPr>
-          <p:nvPr>
-            <p:ph type="title"/>
-          </p:nvPr>
-        </p:nvSpPr>
-        <p:spPr/>
-        <p:txBody>
-          <a:bodyPr/>
-          <a:lstStyle/>
-          <a:p>
-            <a:r>
-              <a:rPr lang="en-US" dirty="0" smtClean="0"/>
-              <a:t>Demonstration</a:t>
-            </a:r>
-            <a:endParaRPr lang="en-US" dirty="0"/>
-          </a:p>
-        </p:txBody>
-      </p:sp>
-      <p:pic>
-        <p:nvPicPr>
-          <p:cNvPr id="4" name="Picture 3"/>
-          <p:cNvPicPr>
-            <a:picLocks noChangeAspect="1" noChangeArrowheads="1"/>
-          </p:cNvPicPr>
-          <p:nvPr/>
-        </p:nvPicPr>
-        <p:blipFill>
-          <a:blip r:embed="rId2" cstate="print">
-            <a:extLst>
-              <a:ext uri="{28A0092B-C50C-407E-A947-70E740481C1C}">
-                <a14:useLocalDpi xmlns:a14="http://schemas.microsoft.com/office/drawing/2010/main" val="0"/>
-              </a:ext>
-            </a:extLst>
-          </a:blip>
-          <a:srcRect/>
-          <a:stretch>
-            <a:fillRect/>
-          </a:stretch>
-        </p:blipFill>
-        <p:spPr bwMode="auto">
-          <a:xfrm>
-            <a:off x="8229600" y="5943600"/>
-            <a:ext cx="762001" cy="762001"/>
-          </a:xfrm>
-          <a:prstGeom prst="rect">
-            <a:avLst/>
-          </a:prstGeom>
-          <a:noFill/>
-          <a:ln>
-            <a:noFill/>
-          </a:ln>
-          <a:extLst>
-            <a:ext uri="{909E8E84-426E-40DD-AFC4-6F175D3DCCD1}">
-              <a14:hiddenFill xmlns:a14="http://schemas.microsoft.com/office/drawing/2010/main">
-                <a:solidFill>
-                  <a:schemeClr val="accent1"/>
-                </a:solidFill>
-              </a14:hiddenFill>
-            </a:ext>
-            <a:ext uri="{91240B29-F687-4F45-9708-019B960494DF}">
-              <a14:hiddenLine xmlns:a14="http://schemas.microsoft.com/office/drawing/2010/main" w="9525">
-                <a:solidFill>
-                  <a:schemeClr val="tx1"/>
-                </a:solidFill>
-                <a:miter lim="800000"/>
-                <a:headEnd/>
-                <a:tailEnd/>
-              </a14:hiddenLine>
-            </a:ext>
-          </a:extLst>
-        </p:spPr>
-      </p:pic>
-      <p:pic>
-        <p:nvPicPr>
-          <p:cNvPr id="3074" name="Picture 2"/>
-          <p:cNvPicPr>
-            <a:picLocks noChangeAspect="1" noChangeArrowheads="1"/>
-          </p:cNvPicPr>
-          <p:nvPr/>
-        </p:nvPicPr>
-        <p:blipFill>
-          <a:blip r:embed="rId3" cstate="print">
-            <a:extLst>
-              <a:ext uri="{28A0092B-C50C-407E-A947-70E740481C1C}">
-                <a14:useLocalDpi xmlns:a14="http://schemas.microsoft.com/office/drawing/2010/main" val="0"/>
-              </a:ext>
-            </a:extLst>
-          </a:blip>
-          <a:srcRect/>
-          <a:stretch>
-            <a:fillRect/>
-          </a:stretch>
-        </p:blipFill>
-        <p:spPr bwMode="auto">
-          <a:xfrm>
-            <a:off x="3581400" y="2819400"/>
-            <a:ext cx="2219326" cy="1970217"/>
-          </a:xfrm>
-          <a:prstGeom prst="rect">
-            <a:avLst/>
-          </a:prstGeom>
-          <a:noFill/>
-          <a:ln>
-            <a:noFill/>
-          </a:ln>
-          <a:extLst>
-            <a:ext uri="{909E8E84-426E-40DD-AFC4-6F175D3DCCD1}">
-              <a14:hiddenFill xmlns:a14="http://schemas.microsoft.com/office/drawing/2010/main">
-                <a:solidFill>
-                  <a:schemeClr val="accent1"/>
-                </a:solidFill>
-              </a14:hiddenFill>
-            </a:ext>
-            <a:ext uri="{91240B29-F687-4F45-9708-019B960494DF}">
-              <a14:hiddenLine xmlns:a14="http://schemas.microsoft.com/office/drawing/2010/main" w="9525">
-                <a:solidFill>
-                  <a:schemeClr val="tx1"/>
-                </a:solidFill>
-                <a:miter lim="800000"/>
-                <a:headEnd/>
-                <a:tailEnd/>
-              </a14:hiddenLine>
-            </a:ext>
-          </a:extLst>
-        </p:spPr>
-      </p:pic>
-      <p:sp>
-        <p:nvSpPr>
-          <p:cNvPr id="5" name="TextBox 4"/>
-          <p:cNvSpPr txBox="1"/>
-          <p:nvPr/>
-        </p:nvSpPr>
-        <p:spPr>
-          <a:xfrm>
-            <a:off x="0" y="6488668"/>
-            <a:ext cx="1511119" cy="369332"/>
-          </a:xfrm>
-          <a:prstGeom prst="rect">
-            <a:avLst/>
-          </a:prstGeom>
-          <a:noFill/>
-        </p:spPr>
-        <p:txBody>
-          <a:bodyPr wrap="none" rtlCol="0">
-            <a:spAutoFit/>
-          </a:bodyPr>
-          <a:lstStyle/>
-          <a:p>
-            <a:r>
-              <a:rPr lang="en-US" dirty="0" err="1" smtClean="0"/>
-              <a:t>Viquoc</a:t>
-            </a:r>
-            <a:r>
-              <a:rPr lang="en-US" dirty="0" smtClean="0"/>
-              <a:t> </a:t>
-            </a:r>
-            <a:r>
-              <a:rPr lang="en-US" dirty="0" err="1" smtClean="0"/>
-              <a:t>Quan</a:t>
-            </a:r>
-            <a:endParaRPr lang="en-US" dirty="0"/>
-          </a:p>
-        </p:txBody>
-      </p:sp>
-    </p:spTree>
-    <p:extLst>
-      <p:ext uri="{BB962C8B-B14F-4D97-AF65-F5344CB8AC3E}">
-        <p14:creationId xmlns:p14="http://schemas.microsoft.com/office/powerpoint/2010/main" val="1420776089"/>
-      </p:ext>
-    </p:extLst>
-  </p:cSld>
-  <p:clrMapOvr>
-    <a:masterClrMapping/>
-  </p:clrMapOvr>
-  <p:timing>
-    <p:tnLst>
-      <p:par>
-        <p:cTn id="1" dur="indefinite" restart="never" nodeType="tmRoot"/>
-      </p:par>
-    </p:tnLst>
-  </p:timing>
-</p:sld>
-</file>
-
-<file path=ppt/slides/slide7.xml><?xml version="1.0" encoding="utf-8"?>
-<p:sld xmlns:a="http://schemas.openxmlformats.org/drawingml/2006/main" xmlns:r="http://schemas.openxmlformats.org/officeDocument/2006/relationships" xmlns:p="http://schemas.openxmlformats.org/presentationml/2006/main">
-  <p:cSld>
-    <p:spTree>
-      <p:nvGrpSpPr>
-        <p:cNvPr id="1" name=""/>
-        <p:cNvGrpSpPr/>
-        <p:nvPr/>
-      </p:nvGrpSpPr>
-      <p:grpSpPr>
-        <a:xfrm>
-          <a:off x="0" y="0"/>
-          <a:ext cx="0" cy="0"/>
-          <a:chOff x="0" y="0"/>
-          <a:chExt cx="0" cy="0"/>
-        </a:xfrm>
-      </p:grpSpPr>
-      <p:sp>
-        <p:nvSpPr>
           <p:cNvPr id="4" name="Title 1"/>
           <p:cNvSpPr txBox="1">
             <a:spLocks/>
@@ -9012,7 +9557,7 @@
 </p:sld>
 </file>
 
-<file path=ppt/slides/slide8.xml><?xml version="1.0" encoding="utf-8"?>
+<file path=ppt/slides/slide7.xml><?xml version="1.0" encoding="utf-8"?>
 <p:sld xmlns:a="http://schemas.openxmlformats.org/drawingml/2006/main" xmlns:r="http://schemas.openxmlformats.org/officeDocument/2006/relationships" xmlns:p="http://schemas.openxmlformats.org/presentationml/2006/main">
   <p:cSld>
     <p:spTree>
@@ -9845,7 +10390,7 @@
 </p:sld>
 </file>
 
-<file path=ppt/slides/slide9.xml><?xml version="1.0" encoding="utf-8"?>
+<file path=ppt/slides/slide8.xml><?xml version="1.0" encoding="utf-8"?>
 <p:sld xmlns:a="http://schemas.openxmlformats.org/drawingml/2006/main" xmlns:r="http://schemas.openxmlformats.org/officeDocument/2006/relationships" xmlns:p="http://schemas.openxmlformats.org/presentationml/2006/main">
   <p:cSld>
     <p:spTree>
@@ -10069,6 +10614,212 @@
     <p:extLst>
       <p:ext uri="{BB962C8B-B14F-4D97-AF65-F5344CB8AC3E}">
         <p14:creationId xmlns:p14="http://schemas.microsoft.com/office/powerpoint/2010/main" val="3141784446"/>
+      </p:ext>
+    </p:extLst>
+  </p:cSld>
+  <p:clrMapOvr>
+    <a:masterClrMapping/>
+  </p:clrMapOvr>
+  <p:timing>
+    <p:tnLst>
+      <p:par>
+        <p:cTn id="1" dur="indefinite" restart="never" nodeType="tmRoot"/>
+      </p:par>
+    </p:tnLst>
+  </p:timing>
+</p:sld>
+</file>
+
+<file path=ppt/slides/slide9.xml><?xml version="1.0" encoding="utf-8"?>
+<p:sld xmlns:a="http://schemas.openxmlformats.org/drawingml/2006/main" xmlns:r="http://schemas.openxmlformats.org/officeDocument/2006/relationships" xmlns:p="http://schemas.openxmlformats.org/presentationml/2006/main">
+  <p:cSld>
+    <p:spTree>
+      <p:nvGrpSpPr>
+        <p:cNvPr id="1" name=""/>
+        <p:cNvGrpSpPr/>
+        <p:nvPr/>
+      </p:nvGrpSpPr>
+      <p:grpSpPr>
+        <a:xfrm>
+          <a:off x="0" y="0"/>
+          <a:ext cx="0" cy="0"/>
+          <a:chOff x="0" y="0"/>
+          <a:chExt cx="0" cy="0"/>
+        </a:xfrm>
+      </p:grpSpPr>
+      <p:sp>
+        <p:nvSpPr>
+          <p:cNvPr id="2" name="Title 1"/>
+          <p:cNvSpPr>
+            <a:spLocks noGrp="1"/>
+          </p:cNvSpPr>
+          <p:nvPr>
+            <p:ph type="title"/>
+          </p:nvPr>
+        </p:nvSpPr>
+        <p:spPr/>
+        <p:txBody>
+          <a:bodyPr/>
+          <a:lstStyle/>
+          <a:p>
+            <a:r>
+              <a:rPr lang="en-US" dirty="0" smtClean="0"/>
+              <a:t>Demonstration</a:t>
+            </a:r>
+            <a:endParaRPr lang="en-US" dirty="0"/>
+          </a:p>
+        </p:txBody>
+      </p:sp>
+      <p:pic>
+        <p:nvPicPr>
+          <p:cNvPr id="4" name="Picture 3"/>
+          <p:cNvPicPr>
+            <a:picLocks noChangeAspect="1" noChangeArrowheads="1"/>
+          </p:cNvPicPr>
+          <p:nvPr/>
+        </p:nvPicPr>
+        <p:blipFill>
+          <a:blip r:embed="rId2" cstate="print">
+            <a:extLst>
+              <a:ext uri="{28A0092B-C50C-407E-A947-70E740481C1C}">
+                <a14:useLocalDpi xmlns:a14="http://schemas.microsoft.com/office/drawing/2010/main" val="0"/>
+              </a:ext>
+            </a:extLst>
+          </a:blip>
+          <a:srcRect/>
+          <a:stretch>
+            <a:fillRect/>
+          </a:stretch>
+        </p:blipFill>
+        <p:spPr bwMode="auto">
+          <a:xfrm>
+            <a:off x="8229600" y="5943600"/>
+            <a:ext cx="762001" cy="762001"/>
+          </a:xfrm>
+          <a:prstGeom prst="rect">
+            <a:avLst/>
+          </a:prstGeom>
+          <a:noFill/>
+          <a:ln>
+            <a:noFill/>
+          </a:ln>
+          <a:extLst>
+            <a:ext uri="{909E8E84-426E-40DD-AFC4-6F175D3DCCD1}">
+              <a14:hiddenFill xmlns:a14="http://schemas.microsoft.com/office/drawing/2010/main">
+                <a:solidFill>
+                  <a:schemeClr val="accent1"/>
+                </a:solidFill>
+              </a14:hiddenFill>
+            </a:ext>
+            <a:ext uri="{91240B29-F687-4F45-9708-019B960494DF}">
+              <a14:hiddenLine xmlns:a14="http://schemas.microsoft.com/office/drawing/2010/main" w="9525">
+                <a:solidFill>
+                  <a:schemeClr val="tx1"/>
+                </a:solidFill>
+                <a:miter lim="800000"/>
+                <a:headEnd/>
+                <a:tailEnd/>
+              </a14:hiddenLine>
+            </a:ext>
+          </a:extLst>
+        </p:spPr>
+      </p:pic>
+      <p:pic>
+        <p:nvPicPr>
+          <p:cNvPr id="3074" name="Picture 2"/>
+          <p:cNvPicPr>
+            <a:picLocks noChangeAspect="1" noChangeArrowheads="1"/>
+          </p:cNvPicPr>
+          <p:nvPr/>
+        </p:nvPicPr>
+        <p:blipFill>
+          <a:blip r:embed="rId3" cstate="print">
+            <a:extLst>
+              <a:ext uri="{28A0092B-C50C-407E-A947-70E740481C1C}">
+                <a14:useLocalDpi xmlns:a14="http://schemas.microsoft.com/office/drawing/2010/main" val="0"/>
+              </a:ext>
+            </a:extLst>
+          </a:blip>
+          <a:srcRect/>
+          <a:stretch>
+            <a:fillRect/>
+          </a:stretch>
+        </p:blipFill>
+        <p:spPr bwMode="auto">
+          <a:xfrm>
+            <a:off x="3581400" y="2819400"/>
+            <a:ext cx="2219326" cy="1970217"/>
+          </a:xfrm>
+          <a:prstGeom prst="rect">
+            <a:avLst/>
+          </a:prstGeom>
+          <a:noFill/>
+          <a:ln>
+            <a:noFill/>
+          </a:ln>
+          <a:extLst>
+            <a:ext uri="{909E8E84-426E-40DD-AFC4-6F175D3DCCD1}">
+              <a14:hiddenFill xmlns:a14="http://schemas.microsoft.com/office/drawing/2010/main">
+                <a:solidFill>
+                  <a:schemeClr val="accent1"/>
+                </a:solidFill>
+              </a14:hiddenFill>
+            </a:ext>
+            <a:ext uri="{91240B29-F687-4F45-9708-019B960494DF}">
+              <a14:hiddenLine xmlns:a14="http://schemas.microsoft.com/office/drawing/2010/main" w="9525">
+                <a:solidFill>
+                  <a:schemeClr val="tx1"/>
+                </a:solidFill>
+                <a:miter lim="800000"/>
+                <a:headEnd/>
+                <a:tailEnd/>
+              </a14:hiddenLine>
+            </a:ext>
+          </a:extLst>
+        </p:spPr>
+      </p:pic>
+      <p:sp>
+        <p:nvSpPr>
+          <p:cNvPr id="5" name="TextBox 4"/>
+          <p:cNvSpPr txBox="1"/>
+          <p:nvPr/>
+        </p:nvSpPr>
+        <p:spPr>
+          <a:xfrm>
+            <a:off x="0" y="6488668"/>
+            <a:ext cx="1511119" cy="369332"/>
+          </a:xfrm>
+          <a:prstGeom prst="rect">
+            <a:avLst/>
+          </a:prstGeom>
+          <a:noFill/>
+        </p:spPr>
+        <p:txBody>
+          <a:bodyPr wrap="none" rtlCol="0">
+            <a:spAutoFit/>
+          </a:bodyPr>
+          <a:lstStyle/>
+          <a:p>
+            <a:r>
+              <a:rPr lang="en-US" dirty="0" err="1" smtClean="0"/>
+              <a:t>Viquoc</a:t>
+            </a:r>
+            <a:r>
+              <a:rPr lang="en-US" dirty="0" smtClean="0"/>
+              <a:t> </a:t>
+            </a:r>
+            <a:r>
+              <a:rPr lang="en-US" dirty="0" err="1" smtClean="0"/>
+              <a:t>Quan</a:t>
+            </a:r>
+            <a:endParaRPr lang="en-US" dirty="0"/>
+          </a:p>
+        </p:txBody>
+      </p:sp>
+    </p:spTree>
+    <p:extLst>
+      <p:ext uri="{BB962C8B-B14F-4D97-AF65-F5344CB8AC3E}">
+        <p14:creationId xmlns:p14="http://schemas.microsoft.com/office/powerpoint/2010/main" val="1420776089"/>
       </p:ext>
     </p:extLst>
   </p:cSld>
